--- a/Project2.pptx
+++ b/Project2.pptx
@@ -262,7 +262,7 @@
           <a:p>
             <a:fld id="{9D6E2931-68E9-9748-8741-3A7C5739E001}" type="datetimeFigureOut">
               <a:rPr lang="en-US" smtClean="0"/>
-              <a:t>1/18/20</a:t>
+              <a:t>1/20/20</a:t>
             </a:fld>
             <a:endParaRPr lang="en-US"/>
           </a:p>
@@ -460,7 +460,7 @@
           <a:p>
             <a:fld id="{9D6E2931-68E9-9748-8741-3A7C5739E001}" type="datetimeFigureOut">
               <a:rPr lang="en-US" smtClean="0"/>
-              <a:t>1/18/20</a:t>
+              <a:t>1/20/20</a:t>
             </a:fld>
             <a:endParaRPr lang="en-US"/>
           </a:p>
@@ -668,7 +668,7 @@
           <a:p>
             <a:fld id="{9D6E2931-68E9-9748-8741-3A7C5739E001}" type="datetimeFigureOut">
               <a:rPr lang="en-US" smtClean="0"/>
-              <a:t>1/18/20</a:t>
+              <a:t>1/20/20</a:t>
             </a:fld>
             <a:endParaRPr lang="en-US"/>
           </a:p>
@@ -866,7 +866,7 @@
           <a:p>
             <a:fld id="{9D6E2931-68E9-9748-8741-3A7C5739E001}" type="datetimeFigureOut">
               <a:rPr lang="en-US" smtClean="0"/>
-              <a:t>1/18/20</a:t>
+              <a:t>1/20/20</a:t>
             </a:fld>
             <a:endParaRPr lang="en-US"/>
           </a:p>
@@ -1141,7 +1141,7 @@
           <a:p>
             <a:fld id="{9D6E2931-68E9-9748-8741-3A7C5739E001}" type="datetimeFigureOut">
               <a:rPr lang="en-US" smtClean="0"/>
-              <a:t>1/18/20</a:t>
+              <a:t>1/20/20</a:t>
             </a:fld>
             <a:endParaRPr lang="en-US"/>
           </a:p>
@@ -1406,7 +1406,7 @@
           <a:p>
             <a:fld id="{9D6E2931-68E9-9748-8741-3A7C5739E001}" type="datetimeFigureOut">
               <a:rPr lang="en-US" smtClean="0"/>
-              <a:t>1/18/20</a:t>
+              <a:t>1/20/20</a:t>
             </a:fld>
             <a:endParaRPr lang="en-US"/>
           </a:p>
@@ -1818,7 +1818,7 @@
           <a:p>
             <a:fld id="{9D6E2931-68E9-9748-8741-3A7C5739E001}" type="datetimeFigureOut">
               <a:rPr lang="en-US" smtClean="0"/>
-              <a:t>1/18/20</a:t>
+              <a:t>1/20/20</a:t>
             </a:fld>
             <a:endParaRPr lang="en-US"/>
           </a:p>
@@ -1959,7 +1959,7 @@
           <a:p>
             <a:fld id="{9D6E2931-68E9-9748-8741-3A7C5739E001}" type="datetimeFigureOut">
               <a:rPr lang="en-US" smtClean="0"/>
-              <a:t>1/18/20</a:t>
+              <a:t>1/20/20</a:t>
             </a:fld>
             <a:endParaRPr lang="en-US"/>
           </a:p>
@@ -2072,7 +2072,7 @@
           <a:p>
             <a:fld id="{9D6E2931-68E9-9748-8741-3A7C5739E001}" type="datetimeFigureOut">
               <a:rPr lang="en-US" smtClean="0"/>
-              <a:t>1/18/20</a:t>
+              <a:t>1/20/20</a:t>
             </a:fld>
             <a:endParaRPr lang="en-US"/>
           </a:p>
@@ -2383,7 +2383,7 @@
           <a:p>
             <a:fld id="{9D6E2931-68E9-9748-8741-3A7C5739E001}" type="datetimeFigureOut">
               <a:rPr lang="en-US" smtClean="0"/>
-              <a:t>1/18/20</a:t>
+              <a:t>1/20/20</a:t>
             </a:fld>
             <a:endParaRPr lang="en-US"/>
           </a:p>
@@ -2671,7 +2671,7 @@
           <a:p>
             <a:fld id="{9D6E2931-68E9-9748-8741-3A7C5739E001}" type="datetimeFigureOut">
               <a:rPr lang="en-US" smtClean="0"/>
-              <a:t>1/18/20</a:t>
+              <a:t>1/20/20</a:t>
             </a:fld>
             <a:endParaRPr lang="en-US"/>
           </a:p>
@@ -2912,7 +2912,7 @@
           <a:p>
             <a:fld id="{9D6E2931-68E9-9748-8741-3A7C5739E001}" type="datetimeFigureOut">
               <a:rPr lang="en-US" smtClean="0"/>
-              <a:t>1/18/20</a:t>
+              <a:t>1/20/20</a:t>
             </a:fld>
             <a:endParaRPr lang="en-US"/>
           </a:p>
@@ -3421,7 +3421,7 @@
         </p:blipFill>
         <p:spPr>
           <a:xfrm>
-            <a:off x="2521852" y="0"/>
+            <a:off x="2521852" y="12700"/>
             <a:ext cx="6858000" cy="6858000"/>
           </a:xfrm>
         </p:spPr>
@@ -3480,7 +3480,15 @@
             <p:ph type="title"/>
           </p:nvPr>
         </p:nvSpPr>
-        <p:spPr/>
+        <p:spPr>
+          <a:xfrm>
+            <a:off x="242595" y="186611"/>
+            <a:ext cx="11719249" cy="1504077"/>
+          </a:xfrm>
+          <a:solidFill>
+            <a:schemeClr val="accent2"/>
+          </a:solidFill>
+        </p:spPr>
         <p:txBody>
           <a:bodyPr>
             <a:noAutofit/>
@@ -3489,7 +3497,11 @@
           <a:p>
             <a:pPr algn="ctr"/>
             <a:r>
-              <a:rPr lang="en-US" sz="4800" b="1" dirty="0"/>
+              <a:rPr lang="en-US" sz="4800" b="1" dirty="0">
+                <a:solidFill>
+                  <a:schemeClr val="bg1"/>
+                </a:solidFill>
+              </a:rPr>
               <a:t>Coding approach, and data munging technique</a:t>
             </a:r>
           </a:p>
@@ -3510,7 +3522,7 @@
         <p:spPr>
           <a:xfrm>
             <a:off x="858078" y="1690688"/>
-            <a:ext cx="10515600" cy="3600986"/>
+            <a:ext cx="10515600" cy="4031873"/>
           </a:xfrm>
           <a:prstGeom prst="rect">
             <a:avLst/>
@@ -3523,9 +3535,12 @@
           </a:bodyPr>
           <a:lstStyle/>
           <a:p>
+            <a:endParaRPr lang="en-US" sz="2800" dirty="0"/>
+          </a:p>
+          <a:p>
             <a:r>
               <a:rPr lang="en-US" sz="2800" dirty="0"/>
-              <a:t>Created a function that called our API to generate and update a list of recipes, and ingredients. </a:t>
+              <a:t>Created a function that calls our API to generate and update a list of recipes, and ingredients. </a:t>
             </a:r>
           </a:p>
           <a:p>
@@ -3606,10 +3621,7 @@
           </a:bodyPr>
           <a:lstStyle/>
           <a:p>
-            <a:r>
-              <a:rPr lang="en-US" dirty="0"/>
-              <a:t>.</a:t>
-            </a:r>
+            <a:endParaRPr lang="en-US" dirty="0"/>
           </a:p>
         </p:txBody>
       </p:sp>

--- a/Project2.pptx
+++ b/Project2.pptx
@@ -8,7 +8,8 @@
     <p:sldId id="256" r:id="rId2"/>
     <p:sldId id="261" r:id="rId3"/>
     <p:sldId id="259" r:id="rId4"/>
-    <p:sldId id="258" r:id="rId5"/>
+    <p:sldId id="262" r:id="rId5"/>
+    <p:sldId id="264" r:id="rId6"/>
   </p:sldIdLst>
   <p:sldSz cx="12192000" cy="6858000"/>
   <p:notesSz cx="6858000" cy="9144000"/>
@@ -262,7 +263,7 @@
           <a:p>
             <a:fld id="{9D6E2931-68E9-9748-8741-3A7C5739E001}" type="datetimeFigureOut">
               <a:rPr lang="en-US" smtClean="0"/>
-              <a:t>1/20/20</a:t>
+              <a:t>1/22/20</a:t>
             </a:fld>
             <a:endParaRPr lang="en-US"/>
           </a:p>
@@ -460,7 +461,7 @@
           <a:p>
             <a:fld id="{9D6E2931-68E9-9748-8741-3A7C5739E001}" type="datetimeFigureOut">
               <a:rPr lang="en-US" smtClean="0"/>
-              <a:t>1/20/20</a:t>
+              <a:t>1/22/20</a:t>
             </a:fld>
             <a:endParaRPr lang="en-US"/>
           </a:p>
@@ -668,7 +669,7 @@
           <a:p>
             <a:fld id="{9D6E2931-68E9-9748-8741-3A7C5739E001}" type="datetimeFigureOut">
               <a:rPr lang="en-US" smtClean="0"/>
-              <a:t>1/20/20</a:t>
+              <a:t>1/22/20</a:t>
             </a:fld>
             <a:endParaRPr lang="en-US"/>
           </a:p>
@@ -866,7 +867,7 @@
           <a:p>
             <a:fld id="{9D6E2931-68E9-9748-8741-3A7C5739E001}" type="datetimeFigureOut">
               <a:rPr lang="en-US" smtClean="0"/>
-              <a:t>1/20/20</a:t>
+              <a:t>1/22/20</a:t>
             </a:fld>
             <a:endParaRPr lang="en-US"/>
           </a:p>
@@ -1141,7 +1142,7 @@
           <a:p>
             <a:fld id="{9D6E2931-68E9-9748-8741-3A7C5739E001}" type="datetimeFigureOut">
               <a:rPr lang="en-US" smtClean="0"/>
-              <a:t>1/20/20</a:t>
+              <a:t>1/22/20</a:t>
             </a:fld>
             <a:endParaRPr lang="en-US"/>
           </a:p>
@@ -1406,7 +1407,7 @@
           <a:p>
             <a:fld id="{9D6E2931-68E9-9748-8741-3A7C5739E001}" type="datetimeFigureOut">
               <a:rPr lang="en-US" smtClean="0"/>
-              <a:t>1/20/20</a:t>
+              <a:t>1/22/20</a:t>
             </a:fld>
             <a:endParaRPr lang="en-US"/>
           </a:p>
@@ -1818,7 +1819,7 @@
           <a:p>
             <a:fld id="{9D6E2931-68E9-9748-8741-3A7C5739E001}" type="datetimeFigureOut">
               <a:rPr lang="en-US" smtClean="0"/>
-              <a:t>1/20/20</a:t>
+              <a:t>1/22/20</a:t>
             </a:fld>
             <a:endParaRPr lang="en-US"/>
           </a:p>
@@ -1959,7 +1960,7 @@
           <a:p>
             <a:fld id="{9D6E2931-68E9-9748-8741-3A7C5739E001}" type="datetimeFigureOut">
               <a:rPr lang="en-US" smtClean="0"/>
-              <a:t>1/20/20</a:t>
+              <a:t>1/22/20</a:t>
             </a:fld>
             <a:endParaRPr lang="en-US"/>
           </a:p>
@@ -2072,7 +2073,7 @@
           <a:p>
             <a:fld id="{9D6E2931-68E9-9748-8741-3A7C5739E001}" type="datetimeFigureOut">
               <a:rPr lang="en-US" smtClean="0"/>
-              <a:t>1/20/20</a:t>
+              <a:t>1/22/20</a:t>
             </a:fld>
             <a:endParaRPr lang="en-US"/>
           </a:p>
@@ -2383,7 +2384,7 @@
           <a:p>
             <a:fld id="{9D6E2931-68E9-9748-8741-3A7C5739E001}" type="datetimeFigureOut">
               <a:rPr lang="en-US" smtClean="0"/>
-              <a:t>1/20/20</a:t>
+              <a:t>1/22/20</a:t>
             </a:fld>
             <a:endParaRPr lang="en-US"/>
           </a:p>
@@ -2671,7 +2672,7 @@
           <a:p>
             <a:fld id="{9D6E2931-68E9-9748-8741-3A7C5739E001}" type="datetimeFigureOut">
               <a:rPr lang="en-US" smtClean="0"/>
-              <a:t>1/20/20</a:t>
+              <a:t>1/22/20</a:t>
             </a:fld>
             <a:endParaRPr lang="en-US"/>
           </a:p>
@@ -2912,7 +2913,7 @@
           <a:p>
             <a:fld id="{9D6E2931-68E9-9748-8741-3A7C5739E001}" type="datetimeFigureOut">
               <a:rPr lang="en-US" smtClean="0"/>
-              <a:t>1/20/20</a:t>
+              <a:t>1/22/20</a:t>
             </a:fld>
             <a:endParaRPr lang="en-US"/>
           </a:p>
@@ -3378,7 +3379,7 @@
     <p:bg>
       <p:bgPr>
         <a:solidFill>
-          <a:schemeClr val="accent2"/>
+          <a:schemeClr val="bg1"/>
         </a:solidFill>
         <a:effectLst/>
       </p:bgPr>
@@ -3399,10 +3400,10 @@
       </p:grpSpPr>
       <p:pic>
         <p:nvPicPr>
-          <p:cNvPr id="5" name="Content Placeholder 4">
-            <a:extLst>
-              <a:ext uri="{FF2B5EF4-FFF2-40B4-BE49-F238E27FC236}">
-                <a16:creationId xmlns:a16="http://schemas.microsoft.com/office/drawing/2014/main" id="{F5C2218A-A716-3C44-A19F-962F76C58EC0}"/>
+          <p:cNvPr id="12" name="Content Placeholder 11">
+            <a:extLst>
+              <a:ext uri="{FF2B5EF4-FFF2-40B4-BE49-F238E27FC236}">
+                <a16:creationId xmlns:a16="http://schemas.microsoft.com/office/drawing/2014/main" id="{0F5EF9D3-9691-244C-89B2-51A433CAA7BA}"/>
               </a:ext>
             </a:extLst>
           </p:cNvPr>
@@ -3421,11 +3422,82 @@
         </p:blipFill>
         <p:spPr>
           <a:xfrm>
-            <a:off x="2521852" y="12700"/>
-            <a:ext cx="6858000" cy="6858000"/>
+            <a:off x="631126" y="532669"/>
+            <a:ext cx="5544273" cy="5482248"/>
           </a:xfrm>
         </p:spPr>
       </p:pic>
+      <p:sp>
+        <p:nvSpPr>
+          <p:cNvPr id="2" name="TextBox 1">
+            <a:extLst>
+              <a:ext uri="{FF2B5EF4-FFF2-40B4-BE49-F238E27FC236}">
+                <a16:creationId xmlns:a16="http://schemas.microsoft.com/office/drawing/2014/main" id="{7B38F2D2-4968-7D4F-AFB7-D45E46B4930C}"/>
+              </a:ext>
+            </a:extLst>
+          </p:cNvPr>
+          <p:cNvSpPr txBox="1"/>
+          <p:nvPr/>
+        </p:nvSpPr>
+        <p:spPr>
+          <a:xfrm>
+            <a:off x="6673516" y="532669"/>
+            <a:ext cx="5005137" cy="4893647"/>
+          </a:xfrm>
+          <a:prstGeom prst="rect">
+            <a:avLst/>
+          </a:prstGeom>
+          <a:noFill/>
+        </p:spPr>
+        <p:txBody>
+          <a:bodyPr wrap="square" rtlCol="0">
+            <a:spAutoFit/>
+          </a:bodyPr>
+          <a:lstStyle/>
+          <a:p>
+            <a:pPr marL="342900" indent="-342900">
+              <a:buFont typeface="Arial" panose="020B0604020202020204" pitchFamily="34" charset="0"/>
+              <a:buChar char="•"/>
+            </a:pPr>
+            <a:r>
+              <a:rPr lang="en-US" sz="2600" dirty="0"/>
+              <a:t>Have you ever wanted to make a recipe, but weren’t sure how healthy it was for you? </a:t>
+            </a:r>
+          </a:p>
+          <a:p>
+            <a:r>
+              <a:rPr lang="en-US" sz="2600" dirty="0"/>
+              <a:t> </a:t>
+            </a:r>
+          </a:p>
+          <a:p>
+            <a:pPr marL="342900" indent="-342900">
+              <a:buFont typeface="Arial" panose="020B0604020202020204" pitchFamily="34" charset="0"/>
+              <a:buChar char="•"/>
+            </a:pPr>
+            <a:r>
+              <a:rPr lang="en-US" sz="2600" dirty="0"/>
+              <a:t>Maybe you have a favorite food, but have trouble determining just how many servings are good for you. </a:t>
+            </a:r>
+          </a:p>
+          <a:p>
+            <a:r>
+              <a:rPr lang="en-US" sz="2600" dirty="0"/>
+              <a:t> </a:t>
+            </a:r>
+          </a:p>
+          <a:p>
+            <a:pPr marL="342900" indent="-342900">
+              <a:buFont typeface="Arial" panose="020B0604020202020204" pitchFamily="34" charset="0"/>
+              <a:buChar char="•"/>
+            </a:pPr>
+            <a:r>
+              <a:rPr lang="en-US" sz="2600" dirty="0"/>
+              <a:t>Or you really wish you could figure out which ingredient is unhealthy and substitute. </a:t>
+            </a:r>
+          </a:p>
+        </p:txBody>
+      </p:sp>
     </p:spTree>
     <p:extLst>
       <p:ext uri="{BB962C8B-B14F-4D97-AF65-F5344CB8AC3E}">
@@ -3507,12 +3579,42 @@
           </a:p>
         </p:txBody>
       </p:sp>
-      <p:sp>
-        <p:nvSpPr>
-          <p:cNvPr id="4" name="TextBox 3">
-            <a:extLst>
-              <a:ext uri="{FF2B5EF4-FFF2-40B4-BE49-F238E27FC236}">
-                <a16:creationId xmlns:a16="http://schemas.microsoft.com/office/drawing/2014/main" id="{864A1CD2-C20B-DD49-BC73-1C8EBAB0332D}"/>
+      <p:pic>
+        <p:nvPicPr>
+          <p:cNvPr id="5" name="Picture 4">
+            <a:extLst>
+              <a:ext uri="{FF2B5EF4-FFF2-40B4-BE49-F238E27FC236}">
+                <a16:creationId xmlns:a16="http://schemas.microsoft.com/office/drawing/2014/main" id="{44C64170-1D7C-CF4D-A6D9-BB5EF2E04CEC}"/>
+              </a:ext>
+            </a:extLst>
+          </p:cNvPr>
+          <p:cNvPicPr>
+            <a:picLocks noChangeAspect="1"/>
+          </p:cNvPicPr>
+          <p:nvPr/>
+        </p:nvPicPr>
+        <p:blipFill>
+          <a:blip r:embed="rId2"/>
+          <a:stretch>
+            <a:fillRect/>
+          </a:stretch>
+        </p:blipFill>
+        <p:spPr>
+          <a:xfrm>
+            <a:off x="768256" y="2840322"/>
+            <a:ext cx="4548355" cy="2308324"/>
+          </a:xfrm>
+          <a:prstGeom prst="rect">
+            <a:avLst/>
+          </a:prstGeom>
+        </p:spPr>
+      </p:pic>
+      <p:sp>
+        <p:nvSpPr>
+          <p:cNvPr id="6" name="TextBox 5">
+            <a:extLst>
+              <a:ext uri="{FF2B5EF4-FFF2-40B4-BE49-F238E27FC236}">
+                <a16:creationId xmlns:a16="http://schemas.microsoft.com/office/drawing/2014/main" id="{0CA34198-9D6E-3049-8D55-A28EE3580FC9}"/>
               </a:ext>
             </a:extLst>
           </p:cNvPr>
@@ -3521,8 +3623,8 @@
         </p:nvSpPr>
         <p:spPr>
           <a:xfrm>
-            <a:off x="858078" y="1690688"/>
-            <a:ext cx="10515600" cy="4031873"/>
+            <a:off x="5438275" y="2154977"/>
+            <a:ext cx="5791200" cy="1504077"/>
           </a:xfrm>
           <a:prstGeom prst="rect">
             <a:avLst/>
@@ -3535,31 +3637,56 @@
           </a:bodyPr>
           <a:lstStyle/>
           <a:p>
-            <a:endParaRPr lang="en-US" sz="2800" dirty="0"/>
-          </a:p>
-          <a:p>
-            <a:r>
-              <a:rPr lang="en-US" sz="2800" dirty="0"/>
+            <a:pPr marL="285750" indent="-285750">
+              <a:buFont typeface="Arial" panose="020B0604020202020204" pitchFamily="34" charset="0"/>
+              <a:buChar char="•"/>
+            </a:pPr>
+            <a:r>
+              <a:rPr lang="en-US" sz="2400" dirty="0"/>
               <a:t>Created a function that calls our API to generate and update a list of recipes, and ingredients. </a:t>
             </a:r>
           </a:p>
           <a:p>
-            <a:endParaRPr lang="en-US" sz="2800" dirty="0"/>
-          </a:p>
-          <a:p>
-            <a:r>
-              <a:rPr lang="en-US" sz="2800" dirty="0"/>
-              <a:t>After all the individual recipes and ingredients were updated, we imported glob to merge the individual recipes into a master recipes json, and individual the ingredients into a master ingredients json. </a:t>
-            </a:r>
-          </a:p>
-          <a:p>
-            <a:endParaRPr lang="en-US" sz="2000" dirty="0"/>
-          </a:p>
-          <a:p>
-            <a:endParaRPr lang="en-US" sz="2000" dirty="0"/>
-          </a:p>
-          <a:p>
-            <a:endParaRPr lang="en-US" sz="2000" dirty="0"/>
+            <a:endParaRPr lang="en-US" dirty="0"/>
+          </a:p>
+        </p:txBody>
+      </p:sp>
+      <p:sp>
+        <p:nvSpPr>
+          <p:cNvPr id="7" name="TextBox 6">
+            <a:extLst>
+              <a:ext uri="{FF2B5EF4-FFF2-40B4-BE49-F238E27FC236}">
+                <a16:creationId xmlns:a16="http://schemas.microsoft.com/office/drawing/2014/main" id="{F50467B3-7D73-9E44-A1CA-1278852AA1DA}"/>
+              </a:ext>
+            </a:extLst>
+          </p:cNvPr>
+          <p:cNvSpPr txBox="1"/>
+          <p:nvPr/>
+        </p:nvSpPr>
+        <p:spPr>
+          <a:xfrm>
+            <a:off x="5438274" y="3994484"/>
+            <a:ext cx="5791200" cy="1938992"/>
+          </a:xfrm>
+          <a:prstGeom prst="rect">
+            <a:avLst/>
+          </a:prstGeom>
+          <a:noFill/>
+        </p:spPr>
+        <p:txBody>
+          <a:bodyPr wrap="square" rtlCol="0">
+            <a:spAutoFit/>
+          </a:bodyPr>
+          <a:lstStyle/>
+          <a:p>
+            <a:pPr marL="342900" indent="-342900">
+              <a:buFont typeface="Arial" panose="020B0604020202020204" pitchFamily="34" charset="0"/>
+              <a:buChar char="•"/>
+            </a:pPr>
+            <a:r>
+              <a:rPr lang="en-US" sz="2400" dirty="0"/>
+              <a:t>After all the individual recipes and ingredients were updated, we imported glob to merge the individual recipes into a master recipes json, and individual the ingredients into a master ingredients json</a:t>
+            </a:r>
           </a:p>
         </p:txBody>
       </p:sp>
@@ -3579,6 +3706,14 @@
 <file path=ppt/slides/slide4.xml><?xml version="1.0" encoding="utf-8"?>
 <p:sld xmlns:a="http://schemas.openxmlformats.org/drawingml/2006/main" xmlns:r="http://schemas.openxmlformats.org/officeDocument/2006/relationships" xmlns:p="http://schemas.openxmlformats.org/presentationml/2006/main">
   <p:cSld>
+    <p:bg>
+      <p:bgPr>
+        <a:solidFill>
+          <a:schemeClr val="accent4"/>
+        </a:solidFill>
+        <a:effectLst/>
+      </p:bgPr>
+    </p:bg>
     <p:spTree>
       <p:nvGrpSpPr>
         <p:cNvPr id="1" name=""/>
@@ -3593,42 +3728,232 @@
           <a:chExt cx="0" cy="0"/>
         </a:xfrm>
       </p:grpSpPr>
-      <p:sp>
-        <p:nvSpPr>
-          <p:cNvPr id="2" name="Title 1">
-            <a:extLst>
-              <a:ext uri="{FF2B5EF4-FFF2-40B4-BE49-F238E27FC236}">
-                <a16:creationId xmlns:a16="http://schemas.microsoft.com/office/drawing/2014/main" id="{5A20B49C-8ADA-484D-8848-4CDAC5C36441}"/>
-              </a:ext>
-            </a:extLst>
-          </p:cNvPr>
-          <p:cNvSpPr>
-            <a:spLocks noGrp="1"/>
-          </p:cNvSpPr>
-          <p:nvPr>
-            <p:ph type="title"/>
-          </p:nvPr>
-        </p:nvSpPr>
+      <p:pic>
+        <p:nvPicPr>
+          <p:cNvPr id="5" name="Picture 4">
+            <a:extLst>
+              <a:ext uri="{FF2B5EF4-FFF2-40B4-BE49-F238E27FC236}">
+                <a16:creationId xmlns:a16="http://schemas.microsoft.com/office/drawing/2014/main" id="{B9DA9FCF-C0D5-AC43-AB5E-33C1F503FA35}"/>
+              </a:ext>
+            </a:extLst>
+          </p:cNvPr>
+          <p:cNvPicPr>
+            <a:picLocks noChangeAspect="1"/>
+          </p:cNvPicPr>
+          <p:nvPr/>
+        </p:nvPicPr>
+        <p:blipFill>
+          <a:blip r:embed="rId2"/>
+          <a:stretch>
+            <a:fillRect/>
+          </a:stretch>
+        </p:blipFill>
         <p:spPr>
           <a:xfrm>
-            <a:off x="838200" y="365125"/>
-            <a:ext cx="10538012" cy="4650628"/>
+            <a:off x="2083445" y="1390787"/>
+            <a:ext cx="4429964" cy="4951950"/>
           </a:xfrm>
+          <a:prstGeom prst="rect">
+            <a:avLst/>
+          </a:prstGeom>
         </p:spPr>
-        <p:txBody>
-          <a:bodyPr>
+      </p:pic>
+      <p:pic>
+        <p:nvPicPr>
+          <p:cNvPr id="7" name="Picture 6">
+            <a:extLst>
+              <a:ext uri="{FF2B5EF4-FFF2-40B4-BE49-F238E27FC236}">
+                <a16:creationId xmlns:a16="http://schemas.microsoft.com/office/drawing/2014/main" id="{A5CEB4E9-594E-B544-B0FE-E44192F5245F}"/>
+              </a:ext>
+            </a:extLst>
+          </p:cNvPr>
+          <p:cNvPicPr>
+            <a:picLocks noChangeAspect="1"/>
+          </p:cNvPicPr>
+          <p:nvPr/>
+        </p:nvPicPr>
+        <p:blipFill>
+          <a:blip r:embed="rId3"/>
+          <a:stretch>
+            <a:fillRect/>
+          </a:stretch>
+        </p:blipFill>
+        <p:spPr>
+          <a:xfrm>
+            <a:off x="6854416" y="1429980"/>
+            <a:ext cx="2515622" cy="2266902"/>
+          </a:xfrm>
+          <a:prstGeom prst="rect">
+            <a:avLst/>
+          </a:prstGeom>
+        </p:spPr>
+      </p:pic>
+      <p:pic>
+        <p:nvPicPr>
+          <p:cNvPr id="9" name="Picture 8">
+            <a:extLst>
+              <a:ext uri="{FF2B5EF4-FFF2-40B4-BE49-F238E27FC236}">
+                <a16:creationId xmlns:a16="http://schemas.microsoft.com/office/drawing/2014/main" id="{E680DC73-B21E-FA40-B9AD-65D0D4B62B95}"/>
+              </a:ext>
+            </a:extLst>
+          </p:cNvPr>
+          <p:cNvPicPr>
+            <a:picLocks noChangeAspect="1"/>
+          </p:cNvPicPr>
+          <p:nvPr/>
+        </p:nvPicPr>
+        <p:blipFill>
+          <a:blip r:embed="rId4"/>
+          <a:stretch>
+            <a:fillRect/>
+          </a:stretch>
+        </p:blipFill>
+        <p:spPr>
+          <a:xfrm>
+            <a:off x="6854416" y="3841287"/>
+            <a:ext cx="2515622" cy="2501450"/>
+          </a:xfrm>
+          <a:prstGeom prst="rect">
+            <a:avLst/>
+          </a:prstGeom>
+        </p:spPr>
+      </p:pic>
+      <p:sp>
+        <p:nvSpPr>
+          <p:cNvPr id="11" name="Title 1">
+            <a:extLst>
+              <a:ext uri="{FF2B5EF4-FFF2-40B4-BE49-F238E27FC236}">
+                <a16:creationId xmlns:a16="http://schemas.microsoft.com/office/drawing/2014/main" id="{FCC40E18-CD95-DF48-BF1B-C17386AEBF01}"/>
+              </a:ext>
+            </a:extLst>
+          </p:cNvPr>
+          <p:cNvSpPr txBox="1">
+            <a:spLocks/>
+          </p:cNvSpPr>
+          <p:nvPr/>
+        </p:nvSpPr>
+        <p:spPr>
+          <a:xfrm>
+            <a:off x="364112" y="358815"/>
+            <a:ext cx="10562389" cy="926760"/>
+          </a:xfrm>
+          <a:prstGeom prst="rect">
+            <a:avLst/>
+          </a:prstGeom>
+        </p:spPr>
+        <p:txBody>
+          <a:bodyPr vert="horz" lIns="91440" tIns="45720" rIns="91440" bIns="45720" rtlCol="0" anchor="ctr">
             <a:normAutofit/>
           </a:bodyPr>
-          <a:lstStyle/>
-          <a:p>
-            <a:endParaRPr lang="en-US" dirty="0"/>
+          <a:lstStyle>
+            <a:lvl1pPr algn="l" defTabSz="914400" rtl="0" eaLnBrk="1" latinLnBrk="0" hangingPunct="1">
+              <a:lnSpc>
+                <a:spcPct val="90000"/>
+              </a:lnSpc>
+              <a:spcBef>
+                <a:spcPct val="0"/>
+              </a:spcBef>
+              <a:buNone/>
+              <a:defRPr sz="4400" kern="1200">
+                <a:solidFill>
+                  <a:schemeClr val="tx1"/>
+                </a:solidFill>
+                <a:latin typeface="+mj-lt"/>
+                <a:ea typeface="+mj-ea"/>
+                <a:cs typeface="+mj-cs"/>
+              </a:defRPr>
+            </a:lvl1pPr>
+          </a:lstStyle>
+          <a:p>
+            <a:pPr algn="ctr"/>
+            <a:r>
+              <a:rPr lang="en-US" sz="4800" b="1" dirty="0">
+                <a:solidFill>
+                  <a:schemeClr val="bg2">
+                    <a:lumMod val="25000"/>
+                  </a:schemeClr>
+                </a:solidFill>
+                <a:latin typeface="Arial" panose="020B0604020202020204" pitchFamily="34" charset="0"/>
+                <a:cs typeface="Arial" panose="020B0604020202020204" pitchFamily="34" charset="0"/>
+              </a:rPr>
+              <a:t>JavaScript</a:t>
+            </a:r>
+            <a:r>
+              <a:rPr lang="en-US" sz="4800" dirty="0">
+                <a:solidFill>
+                  <a:schemeClr val="bg2">
+                    <a:lumMod val="25000"/>
+                  </a:schemeClr>
+                </a:solidFill>
+              </a:rPr>
+              <a:t> </a:t>
+            </a:r>
           </a:p>
         </p:txBody>
       </p:sp>
     </p:spTree>
     <p:extLst>
       <p:ext uri="{BB962C8B-B14F-4D97-AF65-F5344CB8AC3E}">
-        <p14:creationId xmlns:p14="http://schemas.microsoft.com/office/powerpoint/2010/main" val="1679784277"/>
+        <p14:creationId xmlns:p14="http://schemas.microsoft.com/office/powerpoint/2010/main" val="2637419573"/>
+      </p:ext>
+    </p:extLst>
+  </p:cSld>
+  <p:clrMapOvr>
+    <a:masterClrMapping/>
+  </p:clrMapOvr>
+</p:sld>
+</file>
+
+<file path=ppt/slides/slide5.xml><?xml version="1.0" encoding="utf-8"?>
+<p:sld xmlns:a="http://schemas.openxmlformats.org/drawingml/2006/main" xmlns:r="http://schemas.openxmlformats.org/officeDocument/2006/relationships" xmlns:p="http://schemas.openxmlformats.org/presentationml/2006/main">
+  <p:cSld>
+    <p:spTree>
+      <p:nvGrpSpPr>
+        <p:cNvPr id="1" name=""/>
+        <p:cNvGrpSpPr/>
+        <p:nvPr/>
+      </p:nvGrpSpPr>
+      <p:grpSpPr>
+        <a:xfrm>
+          <a:off x="0" y="0"/>
+          <a:ext cx="0" cy="0"/>
+          <a:chOff x="0" y="0"/>
+          <a:chExt cx="0" cy="0"/>
+        </a:xfrm>
+      </p:grpSpPr>
+      <p:pic>
+        <p:nvPicPr>
+          <p:cNvPr id="5" name="Content Placeholder 4">
+            <a:extLst>
+              <a:ext uri="{FF2B5EF4-FFF2-40B4-BE49-F238E27FC236}">
+                <a16:creationId xmlns:a16="http://schemas.microsoft.com/office/drawing/2014/main" id="{77E818C0-18CF-0845-87BC-4A63FE5DC41B}"/>
+              </a:ext>
+            </a:extLst>
+          </p:cNvPr>
+          <p:cNvPicPr>
+            <a:picLocks noGrp="1" noChangeAspect="1"/>
+          </p:cNvPicPr>
+          <p:nvPr>
+            <p:ph idx="1"/>
+          </p:nvPr>
+        </p:nvPicPr>
+        <p:blipFill>
+          <a:blip r:embed="rId2"/>
+          <a:stretch>
+            <a:fillRect/>
+          </a:stretch>
+        </p:blipFill>
+        <p:spPr>
+          <a:xfrm>
+            <a:off x="1326420" y="1625"/>
+            <a:ext cx="9116992" cy="6856375"/>
+          </a:xfrm>
+        </p:spPr>
+      </p:pic>
+    </p:spTree>
+    <p:extLst>
+      <p:ext uri="{BB962C8B-B14F-4D97-AF65-F5344CB8AC3E}">
+        <p14:creationId xmlns:p14="http://schemas.microsoft.com/office/powerpoint/2010/main" val="24196092"/>
       </p:ext>
     </p:extLst>
   </p:cSld>
